--- a/GameDoc/PYF.pptx
+++ b/GameDoc/PYF.pptx
@@ -6,8 +6,8 @@
   </p:sldMasterIdLst>
   <p:sldIdLst>
     <p:sldId id="256" r:id="rId2"/>
-    <p:sldId id="257" r:id="rId3"/>
-    <p:sldId id="258" r:id="rId4"/>
+    <p:sldId id="258" r:id="rId3"/>
+    <p:sldId id="257" r:id="rId4"/>
     <p:sldId id="259" r:id="rId5"/>
     <p:sldId id="260" r:id="rId6"/>
     <p:sldId id="261" r:id="rId7"/>
@@ -844,7 +844,7 @@
           <a:p>
             <a:fld id="{9BA55B41-543E-4B64-957B-3CEC75B4B6C5}" type="datetimeFigureOut">
               <a:rPr lang="fr-FR" smtClean="0"/>
-              <a:t>25/11/2014</a:t>
+              <a:t>26/11/2014</a:t>
             </a:fld>
             <a:endParaRPr lang="fr-FR"/>
           </a:p>
@@ -1095,7 +1095,7 @@
           <a:p>
             <a:fld id="{9BA55B41-543E-4B64-957B-3CEC75B4B6C5}" type="datetimeFigureOut">
               <a:rPr lang="fr-FR" smtClean="0"/>
-              <a:t>25/11/2014</a:t>
+              <a:t>26/11/2014</a:t>
             </a:fld>
             <a:endParaRPr lang="fr-FR"/>
           </a:p>
@@ -1409,7 +1409,7 @@
           <a:p>
             <a:fld id="{9BA55B41-543E-4B64-957B-3CEC75B4B6C5}" type="datetimeFigureOut">
               <a:rPr lang="fr-FR" smtClean="0"/>
-              <a:t>25/11/2014</a:t>
+              <a:t>26/11/2014</a:t>
             </a:fld>
             <a:endParaRPr lang="fr-FR"/>
           </a:p>
@@ -1750,7 +1750,7 @@
           <a:p>
             <a:fld id="{9BA55B41-543E-4B64-957B-3CEC75B4B6C5}" type="datetimeFigureOut">
               <a:rPr lang="fr-FR" smtClean="0"/>
-              <a:t>25/11/2014</a:t>
+              <a:t>26/11/2014</a:t>
             </a:fld>
             <a:endParaRPr lang="fr-FR"/>
           </a:p>
@@ -2064,7 +2064,7 @@
           <a:p>
             <a:fld id="{9BA55B41-543E-4B64-957B-3CEC75B4B6C5}" type="datetimeFigureOut">
               <a:rPr lang="fr-FR" smtClean="0"/>
-              <a:t>25/11/2014</a:t>
+              <a:t>26/11/2014</a:t>
             </a:fld>
             <a:endParaRPr lang="fr-FR"/>
           </a:p>
@@ -2457,7 +2457,7 @@
           <a:p>
             <a:fld id="{9BA55B41-543E-4B64-957B-3CEC75B4B6C5}" type="datetimeFigureOut">
               <a:rPr lang="fr-FR" smtClean="0"/>
-              <a:t>25/11/2014</a:t>
+              <a:t>26/11/2014</a:t>
             </a:fld>
             <a:endParaRPr lang="fr-FR"/>
           </a:p>
@@ -2627,7 +2627,7 @@
           <a:p>
             <a:fld id="{9BA55B41-543E-4B64-957B-3CEC75B4B6C5}" type="datetimeFigureOut">
               <a:rPr lang="fr-FR" smtClean="0"/>
-              <a:t>25/11/2014</a:t>
+              <a:t>26/11/2014</a:t>
             </a:fld>
             <a:endParaRPr lang="fr-FR"/>
           </a:p>
@@ -2807,7 +2807,7 @@
           <a:p>
             <a:fld id="{9BA55B41-543E-4B64-957B-3CEC75B4B6C5}" type="datetimeFigureOut">
               <a:rPr lang="fr-FR" smtClean="0"/>
-              <a:t>25/11/2014</a:t>
+              <a:t>26/11/2014</a:t>
             </a:fld>
             <a:endParaRPr lang="fr-FR"/>
           </a:p>
@@ -2983,7 +2983,7 @@
           <a:p>
             <a:fld id="{9BA55B41-543E-4B64-957B-3CEC75B4B6C5}" type="datetimeFigureOut">
               <a:rPr lang="fr-FR" smtClean="0"/>
-              <a:t>25/11/2014</a:t>
+              <a:t>26/11/2014</a:t>
             </a:fld>
             <a:endParaRPr lang="fr-FR"/>
           </a:p>
@@ -3230,7 +3230,7 @@
           <a:p>
             <a:fld id="{9BA55B41-543E-4B64-957B-3CEC75B4B6C5}" type="datetimeFigureOut">
               <a:rPr lang="fr-FR" smtClean="0"/>
-              <a:t>25/11/2014</a:t>
+              <a:t>26/11/2014</a:t>
             </a:fld>
             <a:endParaRPr lang="fr-FR"/>
           </a:p>
@@ -3462,7 +3462,7 @@
           <a:p>
             <a:fld id="{9BA55B41-543E-4B64-957B-3CEC75B4B6C5}" type="datetimeFigureOut">
               <a:rPr lang="fr-FR" smtClean="0"/>
-              <a:t>25/11/2014</a:t>
+              <a:t>26/11/2014</a:t>
             </a:fld>
             <a:endParaRPr lang="fr-FR"/>
           </a:p>
@@ -3836,7 +3836,7 @@
           <a:p>
             <a:fld id="{9BA55B41-543E-4B64-957B-3CEC75B4B6C5}" type="datetimeFigureOut">
               <a:rPr lang="fr-FR" smtClean="0"/>
-              <a:t>25/11/2014</a:t>
+              <a:t>26/11/2014</a:t>
             </a:fld>
             <a:endParaRPr lang="fr-FR"/>
           </a:p>
@@ -3959,7 +3959,7 @@
           <a:p>
             <a:fld id="{9BA55B41-543E-4B64-957B-3CEC75B4B6C5}" type="datetimeFigureOut">
               <a:rPr lang="fr-FR" smtClean="0"/>
-              <a:t>25/11/2014</a:t>
+              <a:t>26/11/2014</a:t>
             </a:fld>
             <a:endParaRPr lang="fr-FR"/>
           </a:p>
@@ -4054,7 +4054,7 @@
           <a:p>
             <a:fld id="{9BA55B41-543E-4B64-957B-3CEC75B4B6C5}" type="datetimeFigureOut">
               <a:rPr lang="fr-FR" smtClean="0"/>
-              <a:t>25/11/2014</a:t>
+              <a:t>26/11/2014</a:t>
             </a:fld>
             <a:endParaRPr lang="fr-FR"/>
           </a:p>
@@ -4309,7 +4309,7 @@
           <a:p>
             <a:fld id="{9BA55B41-543E-4B64-957B-3CEC75B4B6C5}" type="datetimeFigureOut">
               <a:rPr lang="fr-FR" smtClean="0"/>
-              <a:t>25/11/2014</a:t>
+              <a:t>26/11/2014</a:t>
             </a:fld>
             <a:endParaRPr lang="fr-FR"/>
           </a:p>
@@ -4572,7 +4572,7 @@
           <a:p>
             <a:fld id="{9BA55B41-543E-4B64-957B-3CEC75B4B6C5}" type="datetimeFigureOut">
               <a:rPr lang="fr-FR" smtClean="0"/>
-              <a:t>25/11/2014</a:t>
+              <a:t>26/11/2014</a:t>
             </a:fld>
             <a:endParaRPr lang="fr-FR"/>
           </a:p>
@@ -5315,7 +5315,7 @@
           <a:p>
             <a:fld id="{9BA55B41-543E-4B64-957B-3CEC75B4B6C5}" type="datetimeFigureOut">
               <a:rPr lang="fr-FR" smtClean="0"/>
-              <a:t>25/11/2014</a:t>
+              <a:t>26/11/2014</a:t>
             </a:fld>
             <a:endParaRPr lang="fr-FR"/>
           </a:p>
@@ -5892,6 +5892,13 @@
   <p:clrMapOvr>
     <a:masterClrMapping/>
   </p:clrMapOvr>
+  <p:timing>
+    <p:tnLst>
+      <p:par>
+        <p:cTn id="1" dur="indefinite" restart="never" nodeType="tmRoot"/>
+      </p:par>
+    </p:tnLst>
+  </p:timing>
 </p:sld>
 </file>
 
@@ -5996,6 +6003,13 @@
   <p:clrMapOvr>
     <a:masterClrMapping/>
   </p:clrMapOvr>
+  <p:timing>
+    <p:tnLst>
+      <p:par>
+        <p:cTn id="1" dur="indefinite" restart="never" nodeType="tmRoot"/>
+      </p:par>
+    </p:tnLst>
+  </p:timing>
 </p:sld>
 </file>
 
@@ -6060,7 +6074,15 @@
           <a:p>
             <a:r>
               <a:rPr lang="fr-FR" dirty="0" smtClean="0"/>
-              <a:t> Deux joueurs s’affrontement dans un mode infini dans lequel il survivre le plus longtemps </a:t>
+              <a:t> Deux joueurs s’affrontement dans un mode infini dans </a:t>
+            </a:r>
+            <a:r>
+              <a:rPr lang="fr-FR" smtClean="0"/>
+              <a:t>lequel il doit </a:t>
+            </a:r>
+            <a:r>
+              <a:rPr lang="fr-FR" dirty="0" smtClean="0"/>
+              <a:t>survivre le plus longtemps </a:t>
             </a:r>
           </a:p>
           <a:p>
@@ -6094,6 +6116,13 @@
   <p:clrMapOvr>
     <a:masterClrMapping/>
   </p:clrMapOvr>
+  <p:timing>
+    <p:tnLst>
+      <p:par>
+        <p:cTn id="1" dur="indefinite" restart="never" nodeType="tmRoot"/>
+      </p:par>
+    </p:tnLst>
+  </p:timing>
 </p:sld>
 </file>
 
@@ -6132,7 +6161,7 @@
             <a:pPr algn="ctr"/>
             <a:r>
               <a:rPr lang="fr-FR" dirty="0" smtClean="0"/>
-              <a:t>Pitch</a:t>
+              <a:t>Concept</a:t>
             </a:r>
             <a:endParaRPr lang="fr-FR" dirty="0"/>
           </a:p>
@@ -6153,37 +6182,36 @@
           <a:bodyPr/>
           <a:lstStyle/>
           <a:p>
-            <a:pPr marL="0" indent="0">
-              <a:buNone/>
-            </a:pPr>
-            <a:r>
-              <a:rPr lang="fr-FR" sz="2000" dirty="0" smtClean="0"/>
-              <a:t> </a:t>
-            </a:r>
-            <a:r>
-              <a:rPr lang="fr-FR" sz="2000" dirty="0"/>
-              <a:t>Des hordes de monstres surgissent des profondeurs de la Terre pour détruire le monde, heureusement les dieux les empêchent de s’en prendre à la population grâces à des idoles  qui protègent les villes.</a:t>
-            </a:r>
-          </a:p>
-          <a:p>
-            <a:pPr marL="0" indent="0">
-              <a:buNone/>
-            </a:pPr>
-            <a:r>
-              <a:rPr lang="fr-FR" sz="2000" dirty="0"/>
-              <a:t>Maintenant les monstres débarquent pour détruire ces idoles et le dernier rempart entre eux et l’idole c’est vous !</a:t>
-            </a:r>
-          </a:p>
-          <a:p>
-            <a:pPr marL="0" indent="0">
-              <a:buNone/>
-            </a:pPr>
-            <a:r>
-              <a:rPr lang="fr-FR" sz="2000" dirty="0"/>
-              <a:t>Choisissez votre dieu et commander les unités qu’il vous envoie pour repousser les vagues d’ennemies, chaque dieu à des caractéristiques différentes et possède  une unité unique, à vous de trouver la meilleur défense.</a:t>
-            </a:r>
-          </a:p>
-          <a:p>
+            <a:r>
+              <a:rPr lang="fr-FR" dirty="0" smtClean="0"/>
+              <a:t> Ce jeu est un tower-defense de type fantastique dont l’univers et le Game Play s’inspirent des RPG</a:t>
+            </a:r>
+          </a:p>
+          <a:p>
+            <a:endParaRPr lang="fr-FR" dirty="0"/>
+          </a:p>
+          <a:p>
+            <a:r>
+              <a:rPr lang="fr-FR" dirty="0" smtClean="0"/>
+              <a:t> Le but est de défendre une statue de hordes de monstres, en plaçant des unités sur le bord du chemin emprunté par les monstres</a:t>
+            </a:r>
+          </a:p>
+          <a:p>
+            <a:endParaRPr lang="fr-FR" dirty="0"/>
+          </a:p>
+          <a:p>
+            <a:r>
+              <a:rPr lang="fr-FR" dirty="0" smtClean="0"/>
+              <a:t> le joueur à accès à des pouvoirs divins en plus des unités pour </a:t>
+            </a:r>
+            <a:r>
+              <a:rPr lang="fr-FR" dirty="0" err="1" smtClean="0"/>
+              <a:t>combattreles</a:t>
+            </a:r>
+            <a:r>
+              <a:rPr lang="fr-FR" dirty="0" smtClean="0"/>
+              <a:t> monstres</a:t>
+            </a:r>
             <a:endParaRPr lang="fr-FR" dirty="0"/>
           </a:p>
         </p:txBody>
@@ -6191,13 +6219,20 @@
     </p:spTree>
     <p:extLst>
       <p:ext uri="{BB962C8B-B14F-4D97-AF65-F5344CB8AC3E}">
-        <p14:creationId xmlns:p14="http://schemas.microsoft.com/office/powerpoint/2010/main" val="1792438961"/>
+        <p14:creationId xmlns:p14="http://schemas.microsoft.com/office/powerpoint/2010/main" val="3577225029"/>
       </p:ext>
     </p:extLst>
   </p:cSld>
   <p:clrMapOvr>
     <a:masterClrMapping/>
   </p:clrMapOvr>
+  <p:timing>
+    <p:tnLst>
+      <p:par>
+        <p:cTn id="1" dur="indefinite" restart="never" nodeType="tmRoot"/>
+      </p:par>
+    </p:tnLst>
+  </p:timing>
 </p:sld>
 </file>
 
@@ -6236,7 +6271,7 @@
             <a:pPr algn="ctr"/>
             <a:r>
               <a:rPr lang="fr-FR" dirty="0" smtClean="0"/>
-              <a:t>Concept</a:t>
+              <a:t>Pitch</a:t>
             </a:r>
             <a:endParaRPr lang="fr-FR" dirty="0"/>
           </a:p>
@@ -6257,36 +6292,37 @@
           <a:bodyPr/>
           <a:lstStyle/>
           <a:p>
-            <a:r>
-              <a:rPr lang="fr-FR" dirty="0" smtClean="0"/>
-              <a:t> Ce jeu est un tower-defense de type fantastique dont l’univers et le Game Play s’inspirent des RPG</a:t>
-            </a:r>
-          </a:p>
-          <a:p>
-            <a:endParaRPr lang="fr-FR" dirty="0"/>
-          </a:p>
-          <a:p>
-            <a:r>
-              <a:rPr lang="fr-FR" dirty="0" smtClean="0"/>
-              <a:t> Le but est de défendre une statue de hordes de monstres, en plaçant des unités sur le bord du chemin emprunté par les monstres</a:t>
-            </a:r>
-          </a:p>
-          <a:p>
-            <a:endParaRPr lang="fr-FR" dirty="0"/>
-          </a:p>
-          <a:p>
-            <a:r>
-              <a:rPr lang="fr-FR" dirty="0" smtClean="0"/>
-              <a:t> le joueur à accès à des pouvoirs divins en plus des unités pour </a:t>
-            </a:r>
-            <a:r>
-              <a:rPr lang="fr-FR" dirty="0" err="1" smtClean="0"/>
-              <a:t>combattreles</a:t>
-            </a:r>
-            <a:r>
-              <a:rPr lang="fr-FR" dirty="0" smtClean="0"/>
-              <a:t> monstres</a:t>
-            </a:r>
+            <a:pPr marL="0" indent="0">
+              <a:buNone/>
+            </a:pPr>
+            <a:r>
+              <a:rPr lang="fr-FR" sz="2000" dirty="0" smtClean="0"/>
+              <a:t> </a:t>
+            </a:r>
+            <a:r>
+              <a:rPr lang="fr-FR" sz="2000" dirty="0"/>
+              <a:t>Des hordes de monstres surgissent des profondeurs de la Terre pour détruire le monde, heureusement les dieux les empêchent de s’en prendre à la population grâces à des idoles  qui protègent les villes.</a:t>
+            </a:r>
+          </a:p>
+          <a:p>
+            <a:pPr marL="0" indent="0">
+              <a:buNone/>
+            </a:pPr>
+            <a:r>
+              <a:rPr lang="fr-FR" sz="2000" dirty="0"/>
+              <a:t>Maintenant les monstres débarquent pour détruire ces idoles et le dernier rempart entre eux et l’idole c’est vous !</a:t>
+            </a:r>
+          </a:p>
+          <a:p>
+            <a:pPr marL="0" indent="0">
+              <a:buNone/>
+            </a:pPr>
+            <a:r>
+              <a:rPr lang="fr-FR" sz="2000" dirty="0"/>
+              <a:t>Choisissez votre dieu et commander les unités qu’il vous envoie pour repousser les vagues d’ennemies, chaque dieu à des caractéristiques différentes et possède  une unité unique, à vous de trouver la meilleur défense.</a:t>
+            </a:r>
+          </a:p>
+          <a:p>
             <a:endParaRPr lang="fr-FR" dirty="0"/>
           </a:p>
         </p:txBody>
@@ -6294,13 +6330,20 @@
     </p:spTree>
     <p:extLst>
       <p:ext uri="{BB962C8B-B14F-4D97-AF65-F5344CB8AC3E}">
-        <p14:creationId xmlns:p14="http://schemas.microsoft.com/office/powerpoint/2010/main" val="3577225029"/>
+        <p14:creationId xmlns:p14="http://schemas.microsoft.com/office/powerpoint/2010/main" val="1792438961"/>
       </p:ext>
     </p:extLst>
   </p:cSld>
   <p:clrMapOvr>
     <a:masterClrMapping/>
   </p:clrMapOvr>
+  <p:timing>
+    <p:tnLst>
+      <p:par>
+        <p:cTn id="1" dur="indefinite" restart="never" nodeType="tmRoot"/>
+      </p:par>
+    </p:tnLst>
+  </p:timing>
 </p:sld>
 </file>
 
@@ -6361,6 +6404,13 @@
   <p:clrMapOvr>
     <a:masterClrMapping/>
   </p:clrMapOvr>
+  <p:timing>
+    <p:tnLst>
+      <p:par>
+        <p:cTn id="1" dur="indefinite" restart="never" nodeType="tmRoot"/>
+      </p:par>
+    </p:tnLst>
+  </p:timing>
 </p:sld>
 </file>
 
@@ -6482,6 +6532,13 @@
   <p:clrMapOvr>
     <a:masterClrMapping/>
   </p:clrMapOvr>
+  <p:timing>
+    <p:tnLst>
+      <p:par>
+        <p:cTn id="1" dur="indefinite" restart="never" nodeType="tmRoot"/>
+      </p:par>
+    </p:tnLst>
+  </p:timing>
 </p:sld>
 </file>
 
@@ -6565,6 +6622,13 @@
   <p:clrMapOvr>
     <a:masterClrMapping/>
   </p:clrMapOvr>
+  <p:timing>
+    <p:tnLst>
+      <p:par>
+        <p:cTn id="1" dur="indefinite" restart="never" nodeType="tmRoot"/>
+      </p:par>
+    </p:tnLst>
+  </p:timing>
 </p:sld>
 </file>
 
@@ -6680,6 +6744,13 @@
   <p:clrMapOvr>
     <a:masterClrMapping/>
   </p:clrMapOvr>
+  <p:timing>
+    <p:tnLst>
+      <p:par>
+        <p:cTn id="1" dur="indefinite" restart="never" nodeType="tmRoot"/>
+      </p:par>
+    </p:tnLst>
+  </p:timing>
 </p:sld>
 </file>
 
@@ -6847,6 +6918,13 @@
   <p:clrMapOvr>
     <a:masterClrMapping/>
   </p:clrMapOvr>
+  <p:timing>
+    <p:tnLst>
+      <p:par>
+        <p:cTn id="1" dur="indefinite" restart="never" nodeType="tmRoot"/>
+      </p:par>
+    </p:tnLst>
+  </p:timing>
 </p:sld>
 </file>
 
@@ -7047,6 +7125,13 @@
   <p:clrMapOvr>
     <a:masterClrMapping/>
   </p:clrMapOvr>
+  <p:timing>
+    <p:tnLst>
+      <p:par>
+        <p:cTn id="1" dur="indefinite" restart="never" nodeType="tmRoot"/>
+      </p:par>
+    </p:tnLst>
+  </p:timing>
 </p:sld>
 </file>
 
